--- a/documentation/Presentation.pptx
+++ b/documentation/Presentation.pptx
@@ -213,7 +213,7 @@
           <a:p>
             <a:fld id="{4C2F7B3A-1906-4B47-A910-42CDF9B5A0E6}" type="datetimeFigureOut">
               <a:rPr lang="en-US" smtClean="0"/>
-              <a:t>5/30/17</a:t>
+              <a:t>6/1/17</a:t>
             </a:fld>
             <a:endParaRPr lang="en-US"/>
           </a:p>
@@ -525,7 +525,7 @@
           <a:bodyPr/>
           <a:lstStyle/>
           <a:p>
-            <a:endParaRPr lang="en-US"/>
+            <a:endParaRPr lang="en-US" dirty="0"/>
           </a:p>
         </p:txBody>
       </p:sp>
@@ -756,7 +756,7 @@
           <a:p>
             <a:fld id="{F50DBB38-AD08-7D4B-8F51-14043B26161D}" type="datetime1">
               <a:rPr lang="de-DE" smtClean="0"/>
-              <a:t>30.05.17</a:t>
+              <a:t>01.06.17</a:t>
             </a:fld>
             <a:endParaRPr lang="en-US" dirty="0"/>
           </a:p>
@@ -985,7 +985,7 @@
           <a:p>
             <a:fld id="{CAC0DC00-C72D-6E48-AEA0-2DA817121BD0}" type="datetime1">
               <a:rPr lang="de-DE" smtClean="0"/>
-              <a:t>30.05.17</a:t>
+              <a:t>01.06.17</a:t>
             </a:fld>
             <a:endParaRPr lang="en-US"/>
           </a:p>
@@ -1196,7 +1196,7 @@
           <a:p>
             <a:fld id="{3608BCF1-7E18-2F40-B99E-BB3716C41FE6}" type="datetime1">
               <a:rPr lang="de-DE" smtClean="0"/>
-              <a:t>30.05.17</a:t>
+              <a:t>01.06.17</a:t>
             </a:fld>
             <a:endParaRPr lang="en-US"/>
           </a:p>
@@ -1402,7 +1402,7 @@
           <a:p>
             <a:fld id="{7F1A498D-B389-BB43-8E01-489016EEE04A}" type="datetime1">
               <a:rPr lang="de-DE" smtClean="0"/>
-              <a:t>30.05.17</a:t>
+              <a:t>01.06.17</a:t>
             </a:fld>
             <a:endParaRPr lang="en-US"/>
           </a:p>
@@ -1679,7 +1679,7 @@
           <a:p>
             <a:fld id="{47E3D312-3271-6F4C-95B9-ACF9094A2CED}" type="datetime1">
               <a:rPr lang="de-DE" smtClean="0"/>
-              <a:t>30.05.17</a:t>
+              <a:t>01.06.17</a:t>
             </a:fld>
             <a:endParaRPr lang="en-US"/>
           </a:p>
@@ -1947,7 +1947,7 @@
           <a:p>
             <a:fld id="{EE4CE4F2-A9E7-8249-86EB-8765C9A1D9A1}" type="datetime1">
               <a:rPr lang="de-DE" smtClean="0"/>
-              <a:t>30.05.17</a:t>
+              <a:t>01.06.17</a:t>
             </a:fld>
             <a:endParaRPr lang="en-US"/>
           </a:p>
@@ -2345,7 +2345,7 @@
           <a:p>
             <a:fld id="{B60383D1-A70F-9B41-AA3F-23E57886A9B5}" type="datetime1">
               <a:rPr lang="de-DE" smtClean="0"/>
-              <a:t>30.05.17</a:t>
+              <a:t>01.06.17</a:t>
             </a:fld>
             <a:endParaRPr lang="en-US"/>
           </a:p>
@@ -2499,7 +2499,7 @@
           <a:p>
             <a:fld id="{5FAA0F50-77F7-8644-A2C9-7D358CB07FF2}" type="datetime1">
               <a:rPr lang="de-DE" smtClean="0"/>
-              <a:t>30.05.17</a:t>
+              <a:t>01.06.17</a:t>
             </a:fld>
             <a:endParaRPr lang="en-US"/>
           </a:p>
@@ -2622,7 +2622,7 @@
           <a:p>
             <a:fld id="{234D14C0-2750-D24E-9632-7335F02EDBEE}" type="datetime1">
               <a:rPr lang="de-DE" smtClean="0"/>
-              <a:t>30.05.17</a:t>
+              <a:t>01.06.17</a:t>
             </a:fld>
             <a:endParaRPr lang="en-US"/>
           </a:p>
@@ -2930,7 +2930,7 @@
           <a:p>
             <a:fld id="{E494F9AE-1835-FB4C-B1D5-CCD5FA4263F1}" type="datetime1">
               <a:rPr lang="de-DE" smtClean="0"/>
-              <a:t>30.05.17</a:t>
+              <a:t>01.06.17</a:t>
             </a:fld>
             <a:endParaRPr lang="en-US"/>
           </a:p>
@@ -3214,7 +3214,7 @@
           <a:p>
             <a:fld id="{C7DDFE24-BDF8-674E-AF06-8D865C430851}" type="datetime1">
               <a:rPr lang="de-DE" smtClean="0"/>
-              <a:t>30.05.17</a:t>
+              <a:t>01.06.17</a:t>
             </a:fld>
             <a:endParaRPr lang="en-US"/>
           </a:p>
@@ -3401,7 +3401,7 @@
         </p:blipFill>
         <p:spPr>
           <a:xfrm>
-            <a:off x="297501" y="6356350"/>
+            <a:off x="297501" y="6305551"/>
             <a:ext cx="392988" cy="409575"/>
           </a:xfrm>
           <a:prstGeom prst="rect">
@@ -3936,7 +3936,7 @@
         </p:nvSpPr>
         <p:spPr>
           <a:xfrm>
-            <a:off x="822960" y="6344529"/>
+            <a:off x="706901" y="6300987"/>
             <a:ext cx="5430129" cy="369332"/>
           </a:xfrm>
           <a:prstGeom prst="rect">
@@ -3982,11 +3982,11 @@
   <p:clrMapOvr>
     <a:masterClrMapping/>
   </p:clrMapOvr>
-  <mc:AlternateContent xmlns:mc="http://schemas.openxmlformats.org/markup-compatibility/2006">
-    <mc:Choice xmlns:p14="http://schemas.microsoft.com/office/powerpoint/2010/main" Requires="p14">
+  <mc:AlternateContent xmlns:mc="http://schemas.openxmlformats.org/markup-compatibility/2006" xmlns:p14="http://schemas.microsoft.com/office/powerpoint/2010/main">
+    <mc:Choice Requires="p14">
       <p:transition p14:dur="0"/>
     </mc:Choice>
-    <mc:Fallback>
+    <mc:Fallback xmlns="">
       <p:transition/>
     </mc:Fallback>
   </mc:AlternateContent>
@@ -4135,7 +4135,15 @@
             </a:r>
             <a:r>
               <a:rPr lang="en-US" dirty="0" smtClean="0"/>
-              <a:t> in </a:t>
+              <a:t> </a:t>
+            </a:r>
+            <a:r>
+              <a:rPr lang="en-US" dirty="0" err="1" smtClean="0"/>
+              <a:t>evtl</a:t>
+            </a:r>
+            <a:r>
+              <a:rPr lang="en-US" dirty="0" smtClean="0"/>
+              <a:t>. in </a:t>
             </a:r>
             <a:r>
               <a:rPr lang="en-US" dirty="0" err="1" smtClean="0"/>
@@ -4251,7 +4259,15 @@
             </a:r>
             <a:r>
               <a:rPr lang="en-US" dirty="0" smtClean="0"/>
-              <a:t> n </a:t>
+              <a:t> </a:t>
+            </a:r>
+            <a:r>
+              <a:rPr lang="en-US" i="1" dirty="0" smtClean="0"/>
+              <a:t>n</a:t>
+            </a:r>
+            <a:r>
+              <a:rPr lang="en-US" dirty="0" smtClean="0"/>
+              <a:t> </a:t>
             </a:r>
             <a:r>
               <a:rPr lang="en-US" dirty="0" err="1" smtClean="0"/>
@@ -4399,7 +4415,7 @@
         </p:nvSpPr>
         <p:spPr>
           <a:xfrm>
-            <a:off x="745588" y="6368171"/>
+            <a:off x="673017" y="6339143"/>
             <a:ext cx="4614203" cy="338554"/>
           </a:xfrm>
           <a:prstGeom prst="rect">
@@ -4660,7 +4676,7 @@
         </p:nvSpPr>
         <p:spPr>
           <a:xfrm>
-            <a:off x="745588" y="6368171"/>
+            <a:off x="680274" y="6332106"/>
             <a:ext cx="4614203" cy="338554"/>
           </a:xfrm>
           <a:prstGeom prst="rect">
@@ -5026,7 +5042,7 @@
               <a:t> </a:t>
             </a:r>
             <a:r>
-              <a:rPr lang="en-US" dirty="0" err="1" smtClean="0">
+              <a:rPr lang="en-US" b="1" dirty="0" err="1" smtClean="0">
                 <a:solidFill>
                   <a:schemeClr val="accent2"/>
                 </a:solidFill>
@@ -5034,7 +5050,7 @@
               <a:t>größt</a:t>
             </a:r>
             <a:r>
-              <a:rPr lang="en-US" dirty="0" smtClean="0">
+              <a:rPr lang="en-US" b="1" dirty="0" smtClean="0">
                 <a:solidFill>
                   <a:schemeClr val="accent2"/>
                 </a:solidFill>
@@ -5042,7 +5058,7 @@
               <a:t> </a:t>
             </a:r>
             <a:r>
-              <a:rPr lang="en-US" dirty="0" err="1" smtClean="0">
+              <a:rPr lang="en-US" b="1" dirty="0" err="1" smtClean="0">
                 <a:solidFill>
                   <a:schemeClr val="accent2"/>
                 </a:solidFill>
@@ -5050,7 +5066,7 @@
               <a:t>möglichen</a:t>
             </a:r>
             <a:r>
-              <a:rPr lang="en-US" dirty="0" smtClean="0">
+              <a:rPr lang="en-US" b="1" dirty="0" smtClean="0">
                 <a:solidFill>
                   <a:schemeClr val="accent2"/>
                 </a:solidFill>
@@ -5058,7 +5074,7 @@
               <a:t> </a:t>
             </a:r>
             <a:r>
-              <a:rPr lang="en-US" dirty="0" err="1" smtClean="0">
+              <a:rPr lang="en-US" b="1" dirty="0" err="1" smtClean="0">
                 <a:solidFill>
                   <a:schemeClr val="accent2"/>
                 </a:solidFill>
@@ -5066,7 +5082,7 @@
               <a:t>Heuristik</a:t>
             </a:r>
             <a:r>
-              <a:rPr lang="en-US" dirty="0" smtClean="0">
+              <a:rPr lang="en-US" b="1" dirty="0" smtClean="0">
                 <a:solidFill>
                   <a:schemeClr val="accent2"/>
                 </a:solidFill>
@@ -5327,7 +5343,7 @@
               <a:t> am </a:t>
             </a:r>
             <a:r>
-              <a:rPr lang="en-US" dirty="0" err="1" smtClean="0">
+              <a:rPr lang="en-US" b="1" dirty="0" err="1" smtClean="0">
                 <a:solidFill>
                   <a:schemeClr val="accent5"/>
                 </a:solidFill>
@@ -5335,7 +5351,7 @@
               <a:t>schlechtesten</a:t>
             </a:r>
             <a:r>
-              <a:rPr lang="en-US" dirty="0" smtClean="0">
+              <a:rPr lang="en-US" b="1" dirty="0" smtClean="0">
                 <a:solidFill>
                   <a:schemeClr val="accent5"/>
                 </a:solidFill>
@@ -5343,7 +5359,7 @@
               <a:t> </a:t>
             </a:r>
             <a:r>
-              <a:rPr lang="en-US" dirty="0" err="1" smtClean="0">
+              <a:rPr lang="en-US" b="1" dirty="0" err="1" smtClean="0">
                 <a:solidFill>
                   <a:schemeClr val="accent5"/>
                 </a:solidFill>
@@ -5351,7 +5367,7 @@
               <a:t>bewerteten</a:t>
             </a:r>
             <a:r>
-              <a:rPr lang="en-US" dirty="0" smtClean="0">
+              <a:rPr lang="en-US" b="1" dirty="0" smtClean="0">
                 <a:solidFill>
                   <a:schemeClr val="accent5"/>
                 </a:solidFill>
@@ -5359,7 +5375,7 @@
               <a:t> </a:t>
             </a:r>
             <a:r>
-              <a:rPr lang="en-US" dirty="0" err="1" smtClean="0">
+              <a:rPr lang="en-US" b="1" dirty="0" err="1" smtClean="0">
                 <a:solidFill>
                   <a:schemeClr val="accent5"/>
                 </a:solidFill>
@@ -5367,7 +5383,7 @@
               <a:t>Spielzug</a:t>
             </a:r>
             <a:r>
-              <a:rPr lang="en-US" dirty="0" smtClean="0">
+              <a:rPr lang="en-US" b="1" dirty="0" smtClean="0">
                 <a:solidFill>
                   <a:schemeClr val="accent5"/>
                 </a:solidFill>
@@ -5588,7 +5604,7 @@
         </p:nvSpPr>
         <p:spPr>
           <a:xfrm>
-            <a:off x="745588" y="6368171"/>
+            <a:off x="665760" y="6331887"/>
             <a:ext cx="4614203" cy="338554"/>
           </a:xfrm>
           <a:prstGeom prst="rect">
@@ -5726,7 +5742,7 @@
         </p:nvSpPr>
         <p:spPr>
           <a:xfrm>
-            <a:off x="838200" y="1825624"/>
+            <a:off x="838200" y="1741842"/>
             <a:ext cx="10515600" cy="4575175"/>
           </a:xfrm>
         </p:spPr>
@@ -6129,7 +6145,7 @@
         </p:nvSpPr>
         <p:spPr>
           <a:xfrm>
-            <a:off x="745588" y="6368171"/>
+            <a:off x="673017" y="6331531"/>
             <a:ext cx="4614203" cy="338554"/>
           </a:xfrm>
           <a:prstGeom prst="rect">
@@ -6358,6 +6374,10 @@
               <a:t>Da </a:t>
             </a:r>
             <a:r>
+              <a:rPr lang="en-US" dirty="0" smtClean="0"/>
+              <a:t>der </a:t>
+            </a:r>
+            <a:r>
               <a:rPr lang="en-US" dirty="0" err="1" smtClean="0"/>
               <a:t>Zufall</a:t>
             </a:r>
@@ -6407,7 +6427,7 @@
             </a:r>
             <a:r>
               <a:rPr lang="en-US" dirty="0" err="1" smtClean="0"/>
-              <a:t>anderes</a:t>
+              <a:t>anders</a:t>
             </a:r>
             <a:r>
               <a:rPr lang="en-US" dirty="0" smtClean="0"/>
@@ -6532,7 +6552,7 @@
             </a:r>
             <a:r>
               <a:rPr lang="en-US" dirty="0" err="1" smtClean="0"/>
-              <a:t>Mathemathis</a:t>
+              <a:t>Mathematisch</a:t>
             </a:r>
             <a:r>
               <a:rPr lang="en-US" dirty="0" smtClean="0"/>
@@ -6603,15 +6623,19 @@
             </a:r>
             <a:r>
               <a:rPr lang="en-US" dirty="0" err="1" smtClean="0"/>
-              <a:t>Viele</a:t>
-            </a:r>
-            <a:r>
-              <a:rPr lang="en-US" dirty="0" smtClean="0"/>
-              <a:t> Test </a:t>
-            </a:r>
-            <a:r>
-              <a:rPr lang="en-US" dirty="0" err="1" smtClean="0"/>
-              <a:t>durchführen</a:t>
+              <a:t>Empirisches</a:t>
+            </a:r>
+            <a:r>
+              <a:rPr lang="en-US" dirty="0" smtClean="0"/>
+              <a:t> </a:t>
+            </a:r>
+            <a:r>
+              <a:rPr lang="en-US" dirty="0" err="1" smtClean="0"/>
+              <a:t>Testen</a:t>
+            </a:r>
+            <a:r>
+              <a:rPr lang="en-US" dirty="0" smtClean="0"/>
+              <a:t> &lt;- Mein Ansatz </a:t>
             </a:r>
             <a:endParaRPr lang="en-US" dirty="0" smtClean="0"/>
           </a:p>
@@ -6625,7 +6649,7 @@
         </p:nvSpPr>
         <p:spPr>
           <a:xfrm>
-            <a:off x="745588" y="6382239"/>
+            <a:off x="665759" y="6340928"/>
             <a:ext cx="4614203" cy="338554"/>
           </a:xfrm>
           <a:prstGeom prst="rect">
@@ -6951,12 +6975,20 @@
               <a:t> Test </a:t>
             </a:r>
             <a:r>
-              <a:rPr lang="en-US" dirty="0" err="1" smtClean="0"/>
-              <a:t>aufträge</a:t>
-            </a:r>
-            <a:r>
-              <a:rPr lang="en-US" dirty="0" smtClean="0"/>
-              <a:t> von der </a:t>
+              <a:rPr lang="en-US" dirty="0" err="1"/>
+              <a:t>A</a:t>
+            </a:r>
+            <a:r>
+              <a:rPr lang="en-US" dirty="0" err="1" smtClean="0"/>
+              <a:t>ufträge</a:t>
+            </a:r>
+            <a:r>
+              <a:rPr lang="en-US" dirty="0" smtClean="0"/>
+              <a:t> </a:t>
+            </a:r>
+            <a:r>
+              <a:rPr lang="en-US" dirty="0" smtClean="0"/>
+              <a:t>von der </a:t>
             </a:r>
             <a:r>
               <a:rPr lang="en-US" dirty="0" err="1" smtClean="0"/>
@@ -7077,7 +7109,7 @@
         </p:nvSpPr>
         <p:spPr>
           <a:xfrm>
-            <a:off x="745588" y="6382239"/>
+            <a:off x="694789" y="6326414"/>
             <a:ext cx="4614203" cy="338554"/>
           </a:xfrm>
           <a:prstGeom prst="rect">
@@ -7255,7 +7287,7 @@
             </a:r>
             <a:r>
               <a:rPr lang="en-US" dirty="0" err="1" smtClean="0"/>
-              <a:t>meien</a:t>
+              <a:t>meinen</a:t>
             </a:r>
             <a:r>
               <a:rPr lang="en-US" dirty="0" smtClean="0"/>
@@ -7381,7 +7413,7 @@
             </a:r>
             <a:r>
               <a:rPr lang="en-US" dirty="0" err="1" smtClean="0"/>
-              <a:t>Alorithmen</a:t>
+              <a:t>Algorithmen</a:t>
             </a:r>
             <a:r>
               <a:rPr lang="en-US" dirty="0" smtClean="0"/>
@@ -7393,16 +7425,16 @@
             </a:r>
             <a:r>
               <a:rPr lang="en-US" dirty="0" smtClean="0"/>
+              <a:t>.</a:t>
+            </a:r>
+            <a:r>
+              <a:rPr lang="en-US" dirty="0" smtClean="0"/>
               <a:t/>
             </a:r>
             <a:br>
               <a:rPr lang="en-US" dirty="0" smtClean="0"/>
             </a:br>
             <a:r>
-              <a:rPr lang="en-US" dirty="0" smtClean="0"/>
-              <a:t>Und das </a:t>
-            </a:r>
-            <a:r>
               <a:rPr lang="en-US" dirty="0" err="1" smtClean="0"/>
               <a:t>Rechenleistung</a:t>
             </a:r>
@@ -7412,6 +7444,14 @@
             </a:r>
             <a:r>
               <a:rPr lang="en-US" dirty="0" err="1" smtClean="0"/>
+              <a:t>ist</a:t>
+            </a:r>
+            <a:r>
+              <a:rPr lang="en-US" dirty="0" smtClean="0"/>
+              <a:t> </a:t>
+            </a:r>
+            <a:r>
+              <a:rPr lang="en-US" dirty="0" err="1" smtClean="0"/>
               <a:t>nicht</a:t>
             </a:r>
             <a:r>
@@ -7424,15 +7464,11 @@
             </a:r>
             <a:r>
               <a:rPr lang="en-US" dirty="0" smtClean="0"/>
-              <a:t> </a:t>
-            </a:r>
-            <a:r>
-              <a:rPr lang="en-US" dirty="0" err="1" smtClean="0"/>
-              <a:t>ist</a:t>
-            </a:r>
-            <a:r>
-              <a:rPr lang="en-US" dirty="0" smtClean="0"/>
               <a:t>. </a:t>
+            </a:r>
+            <a:r>
+              <a:rPr lang="en-US" dirty="0" smtClean="0"/>
+              <a:t/>
             </a:r>
             <a:br>
               <a:rPr lang="en-US" dirty="0" smtClean="0"/>
@@ -7477,7 +7513,7 @@
         </p:nvSpPr>
         <p:spPr>
           <a:xfrm>
-            <a:off x="745588" y="6382239"/>
+            <a:off x="658502" y="6326414"/>
             <a:ext cx="4614203" cy="338554"/>
           </a:xfrm>
           <a:prstGeom prst="rect">
@@ -7969,7 +8005,7 @@
         </p:nvSpPr>
         <p:spPr>
           <a:xfrm>
-            <a:off x="838200" y="6377086"/>
+            <a:off x="758371" y="6327849"/>
             <a:ext cx="4614203" cy="338554"/>
           </a:xfrm>
           <a:prstGeom prst="rect">
@@ -8258,7 +8294,11 @@
             </a:r>
             <a:r>
               <a:rPr lang="en-US" dirty="0" smtClean="0"/>
-              <a:t> website </a:t>
+              <a:t> </a:t>
+            </a:r>
+            <a:r>
+              <a:rPr lang="en-US" dirty="0" smtClean="0"/>
+              <a:t>Website </a:t>
             </a:r>
             <a:r>
               <a:rPr lang="en-US" dirty="0" err="1" smtClean="0"/>
@@ -8339,13 +8379,13 @@
   <p:clrMapOvr>
     <a:masterClrMapping/>
   </p:clrMapOvr>
-  <mc:AlternateContent xmlns:mc="http://schemas.openxmlformats.org/markup-compatibility/2006">
-    <mc:Choice xmlns:p15="http://schemas.microsoft.com/office/powerpoint/2012/main" Requires="p15">
+  <mc:AlternateContent xmlns:mc="http://schemas.openxmlformats.org/markup-compatibility/2006" xmlns:p15="http://schemas.microsoft.com/office/powerpoint/2012/main">
+    <mc:Choice Requires="p15">
       <p:transition xmlns:p14="http://schemas.microsoft.com/office/powerpoint/2010/main" spd="slow" p14:dur="2000">
         <p15:prstTrans prst="fallOver"/>
       </p:transition>
     </mc:Choice>
-    <mc:Fallback>
+    <mc:Fallback xmlns="">
       <p:transition spd="slow">
         <p:fade/>
       </p:transition>
@@ -8543,7 +8583,7 @@
             </a:r>
             <a:r>
               <a:rPr lang="en-US" dirty="0" err="1" smtClean="0"/>
-              <a:t>mit</a:t>
+              <a:t>ihm</a:t>
             </a:r>
             <a:r>
               <a:rPr lang="en-US" dirty="0" smtClean="0"/>
@@ -8555,7 +8595,11 @@
             </a:r>
             <a:r>
               <a:rPr lang="en-US" dirty="0" smtClean="0"/>
-              <a:t> auf die </a:t>
+              <a:t> </a:t>
+            </a:r>
+            <a:r>
+              <a:rPr lang="en-US" dirty="0" smtClean="0"/>
+              <a:t>auf die </a:t>
             </a:r>
             <a:r>
               <a:rPr lang="en-US" dirty="0" err="1" smtClean="0"/>
@@ -8638,7 +8682,7 @@
             </a:r>
             <a:r>
               <a:rPr lang="en-US" dirty="0" err="1" smtClean="0"/>
-              <a:t>Algorithmuses</a:t>
+              <a:t>Algorithmus</a:t>
             </a:r>
             <a:r>
               <a:rPr lang="en-US" dirty="0" smtClean="0"/>
@@ -8650,7 +8694,11 @@
             </a:r>
             <a:r>
               <a:rPr lang="en-US" dirty="0" smtClean="0"/>
-              <a:t> Code</a:t>
+              <a:t> </a:t>
+            </a:r>
+            <a:r>
+              <a:rPr lang="en-US" dirty="0" smtClean="0"/>
+              <a:t>Code</a:t>
             </a:r>
           </a:p>
           <a:p>
@@ -8672,12 +8720,21 @@
             </a:r>
             <a:r>
               <a:rPr lang="en-US" dirty="0" err="1" smtClean="0"/>
-              <a:t>Algorithmusausdenken</a:t>
-            </a:r>
-            <a:r>
-              <a:rPr lang="en-US" dirty="0" smtClean="0"/>
-              <a:t> </a:t>
-            </a:r>
+              <a:t>Algorithmus</a:t>
+            </a:r>
+            <a:r>
+              <a:rPr lang="en-US" dirty="0" smtClean="0"/>
+              <a:t> </a:t>
+            </a:r>
+            <a:r>
+              <a:rPr lang="en-US" dirty="0" err="1" smtClean="0"/>
+              <a:t>ausdenken</a:t>
+            </a:r>
+            <a:r>
+              <a:rPr lang="en-US" dirty="0" smtClean="0"/>
+              <a:t> </a:t>
+            </a:r>
+            <a:endParaRPr lang="en-US" dirty="0" smtClean="0"/>
           </a:p>
           <a:p>
             <a:r>
@@ -8715,7 +8772,7 @@
         </p:nvSpPr>
         <p:spPr>
           <a:xfrm>
-            <a:off x="838200" y="6396308"/>
+            <a:off x="722086" y="6311900"/>
             <a:ext cx="4614203" cy="338554"/>
           </a:xfrm>
           <a:prstGeom prst="rect">
@@ -8896,7 +8953,7 @@
             </a:r>
             <a:r>
               <a:rPr lang="en-US" dirty="0" err="1" smtClean="0"/>
-              <a:t>Spielbretts</a:t>
+              <a:t>Spielbrettes</a:t>
             </a:r>
             <a:r>
               <a:rPr lang="en-US" dirty="0" smtClean="0"/>
@@ -8915,7 +8972,15 @@
             </a:br>
             <a:r>
               <a:rPr lang="en-US" dirty="0" smtClean="0"/>
-              <a:t>=&gt; Board manipulation und Board </a:t>
+              <a:t>=&gt; Board </a:t>
+            </a:r>
+            <a:r>
+              <a:rPr lang="en-US" dirty="0" smtClean="0"/>
+              <a:t>Manipulation </a:t>
+            </a:r>
+            <a:r>
+              <a:rPr lang="en-US" dirty="0" smtClean="0"/>
+              <a:t>und Board </a:t>
             </a:r>
             <a:r>
               <a:rPr lang="en-US" dirty="0" err="1" smtClean="0"/>
@@ -8951,7 +9016,7 @@
         </p:nvSpPr>
         <p:spPr>
           <a:xfrm>
-            <a:off x="745588" y="6368171"/>
+            <a:off x="709302" y="6338519"/>
             <a:ext cx="4614203" cy="338554"/>
           </a:xfrm>
           <a:prstGeom prst="rect">
@@ -9070,12 +9135,16 @@
               <a:t> </a:t>
             </a:r>
             <a:r>
-              <a:rPr lang="en-US" sz="2400" dirty="0" err="1" smtClean="0"/>
+              <a:rPr lang="en-US" sz="2400" b="1" dirty="0" err="1" smtClean="0"/>
               <a:t>spielenden</a:t>
             </a:r>
             <a:r>
+              <a:rPr lang="en-US" sz="2400" b="1" dirty="0" smtClean="0"/>
+              <a:t> User</a:t>
+            </a:r>
+            <a:r>
               <a:rPr lang="en-US" sz="2400" dirty="0" smtClean="0"/>
-              <a:t> User </a:t>
+              <a:t> </a:t>
             </a:r>
             <a:r>
               <a:rPr lang="en-US" sz="2400" dirty="0" err="1" smtClean="0"/>
@@ -9135,35 +9204,35 @@
               <a:t> View und </a:t>
             </a:r>
             <a:r>
-              <a:rPr lang="en-US" sz="2400" dirty="0" err="1" smtClean="0"/>
+              <a:rPr lang="en-US" sz="2400" b="1" dirty="0" err="1" smtClean="0"/>
               <a:t>errechnet</a:t>
             </a:r>
             <a:r>
-              <a:rPr lang="en-US" sz="2400" dirty="0" smtClean="0"/>
+              <a:rPr lang="en-US" sz="2400" b="1" dirty="0" smtClean="0"/>
               <a:t> den </a:t>
             </a:r>
             <a:r>
-              <a:rPr lang="en-US" sz="2400" dirty="0" err="1" smtClean="0"/>
+              <a:rPr lang="en-US" sz="2400" b="1" dirty="0" err="1" smtClean="0"/>
               <a:t>besten</a:t>
             </a:r>
             <a:r>
-              <a:rPr lang="en-US" sz="2400" dirty="0" smtClean="0"/>
+              <a:rPr lang="en-US" sz="2400" b="1" dirty="0" smtClean="0"/>
               <a:t>, </a:t>
             </a:r>
             <a:r>
-              <a:rPr lang="en-US" sz="2400" dirty="0" err="1" smtClean="0"/>
+              <a:rPr lang="en-US" sz="2400" b="1" dirty="0" err="1" smtClean="0"/>
               <a:t>nächsten</a:t>
             </a:r>
             <a:r>
-              <a:rPr lang="en-US" sz="2400" dirty="0" smtClean="0"/>
-              <a:t> </a:t>
-            </a:r>
-            <a:r>
-              <a:rPr lang="en-US" sz="2400" dirty="0" err="1" smtClean="0"/>
+              <a:rPr lang="en-US" sz="2400" b="1" dirty="0" smtClean="0"/>
+              <a:t> </a:t>
+            </a:r>
+            <a:r>
+              <a:rPr lang="en-US" sz="2400" b="1" dirty="0" err="1" smtClean="0"/>
               <a:t>Spielzug</a:t>
             </a:r>
             <a:r>
-              <a:rPr lang="en-US" sz="2400" dirty="0" smtClean="0"/>
+              <a:rPr lang="en-US" sz="2400" b="1" dirty="0" smtClean="0"/>
               <a:t> =&gt; KI</a:t>
             </a:r>
           </a:p>
@@ -9431,7 +9500,7 @@
         </p:nvSpPr>
         <p:spPr>
           <a:xfrm>
-            <a:off x="745588" y="6368171"/>
+            <a:off x="680274" y="6340928"/>
             <a:ext cx="4614203" cy="338554"/>
           </a:xfrm>
           <a:prstGeom prst="rect">
@@ -9979,9 +10048,64 @@
           </a:p>
         </p:txBody>
       </p:sp>
+      <p:sp>
+        <p:nvSpPr>
+          <p:cNvPr id="5" name="TextBox 4"/>
+          <p:cNvSpPr txBox="1"/>
+          <p:nvPr/>
+        </p:nvSpPr>
+        <p:spPr>
+          <a:xfrm>
+            <a:off x="687531" y="6324628"/>
+            <a:ext cx="4614203" cy="338554"/>
+          </a:xfrm>
+          <a:prstGeom prst="rect">
+            <a:avLst/>
+          </a:prstGeom>
+          <a:noFill/>
+        </p:spPr>
+        <p:txBody>
+          <a:bodyPr wrap="square" rtlCol="0">
+            <a:spAutoFit/>
+          </a:bodyPr>
+          <a:lstStyle/>
+          <a:p>
+            <a:r>
+              <a:rPr lang="en-US" sz="1600" dirty="0" smtClean="0">
+                <a:solidFill>
+                  <a:schemeClr val="tx1">
+                    <a:lumMod val="50000"/>
+                    <a:lumOff val="50000"/>
+                  </a:schemeClr>
+                </a:solidFill>
+              </a:rPr>
+              <a:t>KI-</a:t>
+            </a:r>
+            <a:r>
+              <a:rPr lang="en-US" sz="1600" dirty="0" err="1" smtClean="0">
+                <a:solidFill>
+                  <a:schemeClr val="tx1">
+                    <a:lumMod val="50000"/>
+                    <a:lumOff val="50000"/>
+                  </a:schemeClr>
+                </a:solidFill>
+              </a:rPr>
+              <a:t>Algorithmus</a:t>
+            </a:r>
+            <a:endParaRPr lang="en-US" sz="1600" dirty="0">
+              <a:solidFill>
+                <a:schemeClr val="tx1">
+                  <a:lumMod val="50000"/>
+                  <a:lumOff val="50000"/>
+                </a:schemeClr>
+              </a:solidFill>
+            </a:endParaRPr>
+          </a:p>
+        </p:txBody>
+      </p:sp>
       <p:pic>
         <p:nvPicPr>
-          <p:cNvPr id="4" name="Content Placeholder 3"/>
+          <p:cNvPr id="6" name="Content Placeholder 5"/>
           <p:cNvPicPr>
             <a:picLocks noGrp="1" noChangeAspect="1"/>
           </p:cNvPicPr>
@@ -10003,66 +10127,11 @@
         </p:blipFill>
         <p:spPr>
           <a:xfrm>
-            <a:off x="1761067" y="1690688"/>
-            <a:ext cx="8025384" cy="4181856"/>
+            <a:off x="1468928" y="1553592"/>
+            <a:ext cx="8693030" cy="4529752"/>
           </a:xfrm>
         </p:spPr>
       </p:pic>
-      <p:sp>
-        <p:nvSpPr>
-          <p:cNvPr id="5" name="TextBox 4"/>
-          <p:cNvSpPr txBox="1"/>
-          <p:nvPr/>
-        </p:nvSpPr>
-        <p:spPr>
-          <a:xfrm>
-            <a:off x="745588" y="6368171"/>
-            <a:ext cx="4614203" cy="338554"/>
-          </a:xfrm>
-          <a:prstGeom prst="rect">
-            <a:avLst/>
-          </a:prstGeom>
-          <a:noFill/>
-        </p:spPr>
-        <p:txBody>
-          <a:bodyPr wrap="square" rtlCol="0">
-            <a:spAutoFit/>
-          </a:bodyPr>
-          <a:lstStyle/>
-          <a:p>
-            <a:r>
-              <a:rPr lang="en-US" sz="1600" dirty="0" smtClean="0">
-                <a:solidFill>
-                  <a:schemeClr val="tx1">
-                    <a:lumMod val="50000"/>
-                    <a:lumOff val="50000"/>
-                  </a:schemeClr>
-                </a:solidFill>
-              </a:rPr>
-              <a:t>KI-</a:t>
-            </a:r>
-            <a:r>
-              <a:rPr lang="en-US" sz="1600" dirty="0" err="1" smtClean="0">
-                <a:solidFill>
-                  <a:schemeClr val="tx1">
-                    <a:lumMod val="50000"/>
-                    <a:lumOff val="50000"/>
-                  </a:schemeClr>
-                </a:solidFill>
-              </a:rPr>
-              <a:t>Algorithmus</a:t>
-            </a:r>
-            <a:endParaRPr lang="en-US" sz="1600" dirty="0">
-              <a:solidFill>
-                <a:schemeClr val="tx1">
-                  <a:lumMod val="50000"/>
-                  <a:lumOff val="50000"/>
-                </a:schemeClr>
-              </a:solidFill>
-            </a:endParaRPr>
-          </a:p>
-        </p:txBody>
-      </p:sp>
     </p:spTree>
     <p:extLst>
       <p:ext uri="{BB962C8B-B14F-4D97-AF65-F5344CB8AC3E}">
@@ -10436,7 +10505,7 @@
         </p:nvSpPr>
         <p:spPr>
           <a:xfrm>
-            <a:off x="745588" y="6368171"/>
+            <a:off x="673016" y="6331885"/>
             <a:ext cx="4614203" cy="338554"/>
           </a:xfrm>
           <a:prstGeom prst="rect">
@@ -10578,7 +10647,7 @@
         </p:nvSpPr>
         <p:spPr>
           <a:xfrm>
-            <a:off x="838200" y="1686219"/>
+            <a:off x="838200" y="1439476"/>
             <a:ext cx="10515600" cy="4652547"/>
           </a:xfrm>
         </p:spPr>
@@ -11069,7 +11138,7 @@
         </p:nvSpPr>
         <p:spPr>
           <a:xfrm>
-            <a:off x="745588" y="6368171"/>
+            <a:off x="694788" y="6339143"/>
             <a:ext cx="4614203" cy="338554"/>
           </a:xfrm>
           <a:prstGeom prst="rect">
